--- a/Презентация Microsoft PowerPoint.pptx
+++ b/Презентация Microsoft PowerPoint.pptx
@@ -5,12 +5,14 @@
     <p:sldMasterId id="2147483723" r:id="rId1"/>
   </p:sldMasterIdLst>
   <p:sldIdLst>
-    <p:sldId id="256" r:id="rId2"/>
-    <p:sldId id="257" r:id="rId3"/>
-    <p:sldId id="258" r:id="rId4"/>
-    <p:sldId id="259" r:id="rId5"/>
+    <p:sldId id="262" r:id="rId2"/>
+    <p:sldId id="256" r:id="rId3"/>
+    <p:sldId id="257" r:id="rId4"/>
+    <p:sldId id="258" r:id="rId5"/>
     <p:sldId id="260" r:id="rId6"/>
-    <p:sldId id="261" r:id="rId7"/>
+    <p:sldId id="259" r:id="rId7"/>
+    <p:sldId id="261" r:id="rId8"/>
+    <p:sldId id="263" r:id="rId9"/>
   </p:sldIdLst>
   <p:sldSz cx="12192000" cy="6858000"/>
   <p:notesSz cx="6858000" cy="9144000"/>
@@ -5839,6 +5841,138 @@
           <p:cNvPr id="2" name="Заголовок 1">
             <a:extLst>
               <a:ext uri="{FF2B5EF4-FFF2-40B4-BE49-F238E27FC236}">
+                <a16:creationId xmlns:a16="http://schemas.microsoft.com/office/drawing/2014/main" id="{EFE6B410-1030-4B99-8D6A-21062F01AB62}"/>
+              </a:ext>
+            </a:extLst>
+          </p:cNvPr>
+          <p:cNvSpPr>
+            <a:spLocks noGrp="1"/>
+          </p:cNvSpPr>
+          <p:nvPr>
+            <p:ph type="title"/>
+          </p:nvPr>
+        </p:nvSpPr>
+        <p:spPr/>
+        <p:txBody>
+          <a:bodyPr/>
+          <a:lstStyle/>
+          <a:p>
+            <a:r>
+              <a:rPr lang="ru-RU" dirty="0"/>
+              <a:t>Проект</a:t>
+            </a:r>
+            <a:r>
+              <a:rPr lang="en-US" dirty="0"/>
+              <a:t>:”</a:t>
+            </a:r>
+            <a:r>
+              <a:rPr lang="ru-RU" dirty="0"/>
+              <a:t>Квиз</a:t>
+            </a:r>
+            <a:r>
+              <a:rPr lang="en-US" dirty="0"/>
+              <a:t>”</a:t>
+            </a:r>
+            <a:endParaRPr lang="ru-RU" dirty="0"/>
+          </a:p>
+        </p:txBody>
+      </p:sp>
+      <p:sp>
+        <p:nvSpPr>
+          <p:cNvPr id="3" name="Объект 2">
+            <a:extLst>
+              <a:ext uri="{FF2B5EF4-FFF2-40B4-BE49-F238E27FC236}">
+                <a16:creationId xmlns:a16="http://schemas.microsoft.com/office/drawing/2014/main" id="{BDE6F6D6-A5A3-4EB6-BC8F-308DBA451539}"/>
+              </a:ext>
+            </a:extLst>
+          </p:cNvPr>
+          <p:cNvSpPr>
+            <a:spLocks noGrp="1"/>
+          </p:cNvSpPr>
+          <p:nvPr>
+            <p:ph idx="1"/>
+          </p:nvPr>
+        </p:nvSpPr>
+        <p:spPr>
+          <a:xfrm>
+            <a:off x="544169" y="5405377"/>
+            <a:ext cx="8596668" cy="1452623"/>
+          </a:xfrm>
+        </p:spPr>
+        <p:txBody>
+          <a:bodyPr/>
+          <a:lstStyle/>
+          <a:p>
+            <a:r>
+              <a:rPr lang="ru-RU" dirty="0"/>
+              <a:t>Проектная работа команды </a:t>
+            </a:r>
+            <a:r>
+              <a:rPr lang="en-US" dirty="0"/>
+              <a:t>“</a:t>
+            </a:r>
+            <a:r>
+              <a:rPr lang="en-US" dirty="0" err="1"/>
+              <a:t>biblos</a:t>
+            </a:r>
+            <a:r>
+              <a:rPr lang="en-US" dirty="0"/>
+              <a:t> incorporated”</a:t>
+            </a:r>
+            <a:endParaRPr lang="ru-RU" dirty="0"/>
+          </a:p>
+          <a:p>
+            <a:endParaRPr lang="ru-RU" dirty="0"/>
+          </a:p>
+          <a:p>
+            <a:r>
+              <a:rPr lang="ru-RU" dirty="0"/>
+              <a:t>Группа ИС-22/11</a:t>
+            </a:r>
+          </a:p>
+          <a:p>
+            <a:pPr marL="0" indent="0">
+              <a:buNone/>
+            </a:pPr>
+            <a:endParaRPr lang="ru-RU" dirty="0"/>
+          </a:p>
+        </p:txBody>
+      </p:sp>
+    </p:spTree>
+    <p:extLst>
+      <p:ext uri="{BB962C8B-B14F-4D97-AF65-F5344CB8AC3E}">
+        <p14:creationId xmlns:p14="http://schemas.microsoft.com/office/powerpoint/2010/main" val="3662444204"/>
+      </p:ext>
+    </p:extLst>
+  </p:cSld>
+  <p:clrMapOvr>
+    <a:masterClrMapping/>
+  </p:clrMapOvr>
+</p:sld>
+</file>
+
+<file path=ppt/slides/slide2.xml><?xml version="1.0" encoding="utf-8"?>
+<p:sld xmlns:a="http://schemas.openxmlformats.org/drawingml/2006/main" xmlns:r="http://schemas.openxmlformats.org/officeDocument/2006/relationships" xmlns:p="http://schemas.openxmlformats.org/presentationml/2006/main">
+  <p:cSld>
+    <p:spTree>
+      <p:nvGrpSpPr>
+        <p:cNvPr id="1" name=""/>
+        <p:cNvGrpSpPr/>
+        <p:nvPr/>
+      </p:nvGrpSpPr>
+      <p:grpSpPr>
+        <a:xfrm>
+          <a:off x="0" y="0"/>
+          <a:ext cx="0" cy="0"/>
+          <a:chOff x="0" y="0"/>
+          <a:chExt cx="0" cy="0"/>
+        </a:xfrm>
+      </p:grpSpPr>
+      <p:sp>
+        <p:nvSpPr>
+          <p:cNvPr id="2" name="Заголовок 1">
+            <a:extLst>
+              <a:ext uri="{FF2B5EF4-FFF2-40B4-BE49-F238E27FC236}">
                 <a16:creationId xmlns:a16="http://schemas.microsoft.com/office/drawing/2014/main" id="{4F7D069C-ABA1-45AB-A647-85D8210090B8}"/>
               </a:ext>
             </a:extLst>
@@ -5859,7 +5993,7 @@
           <a:p>
             <a:r>
               <a:rPr lang="ru-RU" dirty="0"/>
-              <a:t>Квиз</a:t>
+              <a:t>Задачи</a:t>
             </a:r>
           </a:p>
         </p:txBody>
@@ -5892,25 +6026,17 @@
           </a:bodyPr>
           <a:lstStyle/>
           <a:p>
+            <a:pPr marL="0" indent="0">
+              <a:buNone/>
+            </a:pPr>
+            <a:endParaRPr lang="en-US" dirty="0"/>
+          </a:p>
+          <a:p>
+            <a:pPr fontAlgn="base"/>
             <a:r>
               <a:rPr lang="ru-RU" dirty="0"/>
-              <a:t>Проектная работа команды </a:t>
-            </a:r>
-            <a:r>
-              <a:rPr lang="en-US" dirty="0"/>
-              <a:t>“</a:t>
-            </a:r>
-            <a:r>
-              <a:rPr lang="en-US" dirty="0" err="1"/>
-              <a:t>biblos</a:t>
-            </a:r>
-            <a:r>
-              <a:rPr lang="en-US" dirty="0"/>
-              <a:t> incorporated” </a:t>
-            </a:r>
-          </a:p>
-          <a:p>
-            <a:endParaRPr lang="en-US" dirty="0"/>
+              <a:t>путь юзера</a:t>
+            </a:r>
           </a:p>
           <a:p>
             <a:pPr fontAlgn="base"/>
@@ -5949,24 +6075,24 @@
             <a:pPr fontAlgn="base"/>
             <a:r>
               <a:rPr lang="ru-RU" dirty="0"/>
+              <a:t>пример(ы) кода</a:t>
+            </a:r>
+          </a:p>
+          <a:p>
+            <a:pPr fontAlgn="base"/>
+            <a:r>
+              <a:rPr lang="ru-RU" dirty="0"/>
               <a:t>сам продукт</a:t>
             </a:r>
           </a:p>
           <a:p>
             <a:pPr fontAlgn="base"/>
-            <a:r>
-              <a:rPr lang="ru-RU" dirty="0"/>
-              <a:t>пример(ы) кода</a:t>
-            </a:r>
-          </a:p>
-          <a:p>
             <a:endParaRPr lang="ru-RU" dirty="0"/>
           </a:p>
           <a:p>
-            <a:r>
-              <a:rPr lang="ru-RU" dirty="0"/>
-              <a:t>Группа ИС-22/11</a:t>
-            </a:r>
+            <a:pPr marL="0" indent="0">
+              <a:buNone/>
+            </a:pPr>
             <a:br>
               <a:rPr lang="ru-RU" dirty="0"/>
             </a:br>
@@ -5996,7 +6122,7 @@
 </p:sld>
 </file>
 
-<file path=ppt/slides/slide2.xml><?xml version="1.0" encoding="utf-8"?>
+<file path=ppt/slides/slide3.xml><?xml version="1.0" encoding="utf-8"?>
 <p:sld xmlns:a="http://schemas.openxmlformats.org/drawingml/2006/main" xmlns:r="http://schemas.openxmlformats.org/officeDocument/2006/relationships" xmlns:p="http://schemas.openxmlformats.org/presentationml/2006/main">
   <p:cSld>
     <p:spTree>
@@ -6084,7 +6210,7 @@
 </p:sld>
 </file>
 
-<file path=ppt/slides/slide3.xml><?xml version="1.0" encoding="utf-8"?>
+<file path=ppt/slides/slide4.xml><?xml version="1.0" encoding="utf-8"?>
 <p:sld xmlns:a="http://schemas.openxmlformats.org/drawingml/2006/main" xmlns:r="http://schemas.openxmlformats.org/officeDocument/2006/relationships" xmlns:p="http://schemas.openxmlformats.org/presentationml/2006/main">
   <p:cSld>
     <p:spTree>
@@ -6185,201 +6311,6 @@
     <p:extLst>
       <p:ext uri="{BB962C8B-B14F-4D97-AF65-F5344CB8AC3E}">
         <p14:creationId xmlns:p14="http://schemas.microsoft.com/office/powerpoint/2010/main" val="3637349127"/>
-      </p:ext>
-    </p:extLst>
-  </p:cSld>
-  <p:clrMapOvr>
-    <a:masterClrMapping/>
-  </p:clrMapOvr>
-</p:sld>
-</file>
-
-<file path=ppt/slides/slide4.xml><?xml version="1.0" encoding="utf-8"?>
-<p:sld xmlns:a="http://schemas.openxmlformats.org/drawingml/2006/main" xmlns:r="http://schemas.openxmlformats.org/officeDocument/2006/relationships" xmlns:p="http://schemas.openxmlformats.org/presentationml/2006/main">
-  <p:cSld>
-    <p:spTree>
-      <p:nvGrpSpPr>
-        <p:cNvPr id="1" name=""/>
-        <p:cNvGrpSpPr/>
-        <p:nvPr/>
-      </p:nvGrpSpPr>
-      <p:grpSpPr>
-        <a:xfrm>
-          <a:off x="0" y="0"/>
-          <a:ext cx="0" cy="0"/>
-          <a:chOff x="0" y="0"/>
-          <a:chExt cx="0" cy="0"/>
-        </a:xfrm>
-      </p:grpSpPr>
-      <p:sp>
-        <p:nvSpPr>
-          <p:cNvPr id="2" name="Заголовок 1">
-            <a:extLst>
-              <a:ext uri="{FF2B5EF4-FFF2-40B4-BE49-F238E27FC236}">
-                <a16:creationId xmlns:a16="http://schemas.microsoft.com/office/drawing/2014/main" id="{285D958B-5EFB-45A0-B890-D3AD57F45DA4}"/>
-              </a:ext>
-            </a:extLst>
-          </p:cNvPr>
-          <p:cNvSpPr>
-            <a:spLocks noGrp="1"/>
-          </p:cNvSpPr>
-          <p:nvPr>
-            <p:ph type="title"/>
-          </p:nvPr>
-        </p:nvSpPr>
-        <p:spPr>
-          <a:xfrm>
-            <a:off x="588557" y="175367"/>
-            <a:ext cx="8596668" cy="1320800"/>
-          </a:xfrm>
-        </p:spPr>
-        <p:txBody>
-          <a:bodyPr/>
-          <a:lstStyle/>
-          <a:p>
-            <a:r>
-              <a:rPr lang="ru-RU" dirty="0"/>
-              <a:t>Дизайн квиза</a:t>
-            </a:r>
-          </a:p>
-        </p:txBody>
-      </p:sp>
-      <p:pic>
-        <p:nvPicPr>
-          <p:cNvPr id="4" name="Объект 3">
-            <a:extLst>
-              <a:ext uri="{FF2B5EF4-FFF2-40B4-BE49-F238E27FC236}">
-                <a16:creationId xmlns:a16="http://schemas.microsoft.com/office/drawing/2014/main" id="{C3D1F604-F769-4A19-89E0-BB51F87B5AF5}"/>
-              </a:ext>
-            </a:extLst>
-          </p:cNvPr>
-          <p:cNvPicPr>
-            <a:picLocks noGrp="1" noChangeAspect="1"/>
-          </p:cNvPicPr>
-          <p:nvPr>
-            <p:ph idx="1"/>
-          </p:nvPr>
-        </p:nvPicPr>
-        <p:blipFill>
-          <a:blip r:embed="rId2"/>
-          <a:stretch>
-            <a:fillRect/>
-          </a:stretch>
-        </p:blipFill>
-        <p:spPr>
-          <a:xfrm>
-            <a:off x="322227" y="2071626"/>
-            <a:ext cx="6002925" cy="3881437"/>
-          </a:xfrm>
-          <a:prstGeom prst="rect">
-            <a:avLst/>
-          </a:prstGeom>
-        </p:spPr>
-      </p:pic>
-      <p:pic>
-        <p:nvPicPr>
-          <p:cNvPr id="3" name="Рисунок 2">
-            <a:extLst>
-              <a:ext uri="{FF2B5EF4-FFF2-40B4-BE49-F238E27FC236}">
-                <a16:creationId xmlns:a16="http://schemas.microsoft.com/office/drawing/2014/main" id="{D26455F0-207D-4665-9F3F-C80BA679B135}"/>
-              </a:ext>
-            </a:extLst>
-          </p:cNvPr>
-          <p:cNvPicPr>
-            <a:picLocks noChangeAspect="1"/>
-          </p:cNvPicPr>
-          <p:nvPr/>
-        </p:nvPicPr>
-        <p:blipFill>
-          <a:blip r:embed="rId3"/>
-          <a:stretch>
-            <a:fillRect/>
-          </a:stretch>
-        </p:blipFill>
-        <p:spPr>
-          <a:xfrm>
-            <a:off x="5773031" y="2241508"/>
-            <a:ext cx="3628421" cy="2857943"/>
-          </a:xfrm>
-          <a:prstGeom prst="rect">
-            <a:avLst/>
-          </a:prstGeom>
-        </p:spPr>
-      </p:pic>
-      <p:sp>
-        <p:nvSpPr>
-          <p:cNvPr id="8" name="TextBox 7">
-            <a:extLst>
-              <a:ext uri="{FF2B5EF4-FFF2-40B4-BE49-F238E27FC236}">
-                <a16:creationId xmlns:a16="http://schemas.microsoft.com/office/drawing/2014/main" id="{4529C5DB-7F5D-46CE-80A4-2D887640B2CE}"/>
-              </a:ext>
-            </a:extLst>
-          </p:cNvPr>
-          <p:cNvSpPr txBox="1"/>
-          <p:nvPr/>
-        </p:nvSpPr>
-        <p:spPr>
-          <a:xfrm>
-            <a:off x="588557" y="1649910"/>
-            <a:ext cx="4826822" cy="369332"/>
-          </a:xfrm>
-          <a:prstGeom prst="rect">
-            <a:avLst/>
-          </a:prstGeom>
-          <a:noFill/>
-        </p:spPr>
-        <p:txBody>
-          <a:bodyPr wrap="square" rtlCol="0">
-            <a:spAutoFit/>
-          </a:bodyPr>
-          <a:lstStyle/>
-          <a:p>
-            <a:r>
-              <a:rPr lang="ru-RU" dirty="0"/>
-              <a:t>Дизайн главной страницы </a:t>
-            </a:r>
-          </a:p>
-        </p:txBody>
-      </p:sp>
-      <p:sp>
-        <p:nvSpPr>
-          <p:cNvPr id="9" name="TextBox 8">
-            <a:extLst>
-              <a:ext uri="{FF2B5EF4-FFF2-40B4-BE49-F238E27FC236}">
-                <a16:creationId xmlns:a16="http://schemas.microsoft.com/office/drawing/2014/main" id="{1500720A-5580-4DC0-9E6D-B734283CB288}"/>
-              </a:ext>
-            </a:extLst>
-          </p:cNvPr>
-          <p:cNvSpPr txBox="1"/>
-          <p:nvPr/>
-        </p:nvSpPr>
-        <p:spPr>
-          <a:xfrm>
-            <a:off x="5773031" y="1649910"/>
-            <a:ext cx="3412194" cy="369332"/>
-          </a:xfrm>
-          <a:prstGeom prst="rect">
-            <a:avLst/>
-          </a:prstGeom>
-          <a:noFill/>
-        </p:spPr>
-        <p:txBody>
-          <a:bodyPr wrap="square" rtlCol="0">
-            <a:spAutoFit/>
-          </a:bodyPr>
-          <a:lstStyle/>
-          <a:p>
-            <a:r>
-              <a:rPr lang="ru-RU" dirty="0"/>
-              <a:t>Дизайн теста </a:t>
-            </a:r>
-          </a:p>
-        </p:txBody>
-      </p:sp>
-    </p:spTree>
-    <p:extLst>
-      <p:ext uri="{BB962C8B-B14F-4D97-AF65-F5344CB8AC3E}">
-        <p14:creationId xmlns:p14="http://schemas.microsoft.com/office/powerpoint/2010/main" val="3120784974"/>
       </p:ext>
     </p:extLst>
   </p:cSld>
@@ -6501,6 +6432,96 @@
           <p:cNvPr id="2" name="Заголовок 1">
             <a:extLst>
               <a:ext uri="{FF2B5EF4-FFF2-40B4-BE49-F238E27FC236}">
+                <a16:creationId xmlns:a16="http://schemas.microsoft.com/office/drawing/2014/main" id="{285D958B-5EFB-45A0-B890-D3AD57F45DA4}"/>
+              </a:ext>
+            </a:extLst>
+          </p:cNvPr>
+          <p:cNvSpPr>
+            <a:spLocks noGrp="1"/>
+          </p:cNvSpPr>
+          <p:nvPr>
+            <p:ph type="title"/>
+          </p:nvPr>
+        </p:nvSpPr>
+        <p:spPr/>
+        <p:txBody>
+          <a:bodyPr/>
+          <a:lstStyle/>
+          <a:p>
+            <a:r>
+              <a:rPr lang="ru-RU" dirty="0"/>
+              <a:t>Дизайн квиза</a:t>
+            </a:r>
+          </a:p>
+        </p:txBody>
+      </p:sp>
+      <p:pic>
+        <p:nvPicPr>
+          <p:cNvPr id="4" name="Объект 3">
+            <a:extLst>
+              <a:ext uri="{FF2B5EF4-FFF2-40B4-BE49-F238E27FC236}">
+                <a16:creationId xmlns:a16="http://schemas.microsoft.com/office/drawing/2014/main" id="{C3D1F604-F769-4A19-89E0-BB51F87B5AF5}"/>
+              </a:ext>
+            </a:extLst>
+          </p:cNvPr>
+          <p:cNvPicPr>
+            <a:picLocks noGrp="1" noChangeAspect="1"/>
+          </p:cNvPicPr>
+          <p:nvPr>
+            <p:ph idx="1"/>
+          </p:nvPr>
+        </p:nvPicPr>
+        <p:blipFill>
+          <a:blip r:embed="rId2"/>
+          <a:stretch>
+            <a:fillRect/>
+          </a:stretch>
+        </p:blipFill>
+        <p:spPr>
+          <a:xfrm>
+            <a:off x="1352769" y="1928427"/>
+            <a:ext cx="6794043" cy="4392967"/>
+          </a:xfrm>
+          <a:prstGeom prst="rect">
+            <a:avLst/>
+          </a:prstGeom>
+        </p:spPr>
+      </p:pic>
+    </p:spTree>
+    <p:extLst>
+      <p:ext uri="{BB962C8B-B14F-4D97-AF65-F5344CB8AC3E}">
+        <p14:creationId xmlns:p14="http://schemas.microsoft.com/office/powerpoint/2010/main" val="3120784974"/>
+      </p:ext>
+    </p:extLst>
+  </p:cSld>
+  <p:clrMapOvr>
+    <a:masterClrMapping/>
+  </p:clrMapOvr>
+</p:sld>
+</file>
+
+<file path=ppt/slides/slide7.xml><?xml version="1.0" encoding="utf-8"?>
+<p:sld xmlns:a="http://schemas.openxmlformats.org/drawingml/2006/main" xmlns:r="http://schemas.openxmlformats.org/officeDocument/2006/relationships" xmlns:p="http://schemas.openxmlformats.org/presentationml/2006/main">
+  <p:cSld>
+    <p:spTree>
+      <p:nvGrpSpPr>
+        <p:cNvPr id="1" name=""/>
+        <p:cNvGrpSpPr/>
+        <p:nvPr/>
+      </p:nvGrpSpPr>
+      <p:grpSpPr>
+        <a:xfrm>
+          <a:off x="0" y="0"/>
+          <a:ext cx="0" cy="0"/>
+          <a:chOff x="0" y="0"/>
+          <a:chExt cx="0" cy="0"/>
+        </a:xfrm>
+      </p:grpSpPr>
+      <p:sp>
+        <p:nvSpPr>
+          <p:cNvPr id="2" name="Заголовок 1">
+            <a:extLst>
+              <a:ext uri="{FF2B5EF4-FFF2-40B4-BE49-F238E27FC236}">
                 <a16:creationId xmlns:a16="http://schemas.microsoft.com/office/drawing/2014/main" id="{F89BA1F0-9C35-40BE-B022-E45BA4BACFDF}"/>
               </a:ext>
             </a:extLst>
@@ -6548,7 +6569,7 @@
         </p:blipFill>
         <p:spPr>
           <a:xfrm>
-            <a:off x="1679563" y="1877730"/>
+            <a:off x="1750585" y="1877730"/>
             <a:ext cx="2568587" cy="4980270"/>
           </a:xfrm>
           <a:prstGeom prst="rect">
@@ -6578,7 +6599,7 @@
         </p:blipFill>
         <p:spPr>
           <a:xfrm>
-            <a:off x="4248150" y="1877730"/>
+            <a:off x="4319172" y="1877730"/>
             <a:ext cx="3192033" cy="4980270"/>
           </a:xfrm>
           <a:prstGeom prst="rect">
@@ -6590,6 +6611,69 @@
     <p:extLst>
       <p:ext uri="{BB962C8B-B14F-4D97-AF65-F5344CB8AC3E}">
         <p14:creationId xmlns:p14="http://schemas.microsoft.com/office/powerpoint/2010/main" val="1061408904"/>
+      </p:ext>
+    </p:extLst>
+  </p:cSld>
+  <p:clrMapOvr>
+    <a:masterClrMapping/>
+  </p:clrMapOvr>
+</p:sld>
+</file>
+
+<file path=ppt/slides/slide8.xml><?xml version="1.0" encoding="utf-8"?>
+<p:sld xmlns:a="http://schemas.openxmlformats.org/drawingml/2006/main" xmlns:r="http://schemas.openxmlformats.org/officeDocument/2006/relationships" xmlns:p="http://schemas.openxmlformats.org/presentationml/2006/main">
+  <p:cSld>
+    <p:spTree>
+      <p:nvGrpSpPr>
+        <p:cNvPr id="1" name=""/>
+        <p:cNvGrpSpPr/>
+        <p:nvPr/>
+      </p:nvGrpSpPr>
+      <p:grpSpPr>
+        <a:xfrm>
+          <a:off x="0" y="0"/>
+          <a:ext cx="0" cy="0"/>
+          <a:chOff x="0" y="0"/>
+          <a:chExt cx="0" cy="0"/>
+        </a:xfrm>
+      </p:grpSpPr>
+      <p:sp>
+        <p:nvSpPr>
+          <p:cNvPr id="2" name="Заголовок 1">
+            <a:extLst>
+              <a:ext uri="{FF2B5EF4-FFF2-40B4-BE49-F238E27FC236}">
+                <a16:creationId xmlns:a16="http://schemas.microsoft.com/office/drawing/2014/main" id="{6886D8DA-B927-464F-A1E0-8A523579B713}"/>
+              </a:ext>
+            </a:extLst>
+          </p:cNvPr>
+          <p:cNvSpPr>
+            <a:spLocks noGrp="1"/>
+          </p:cNvSpPr>
+          <p:nvPr>
+            <p:ph type="title"/>
+          </p:nvPr>
+        </p:nvSpPr>
+        <p:spPr>
+          <a:xfrm>
+            <a:off x="3163081" y="2778957"/>
+            <a:ext cx="5146418" cy="1300085"/>
+          </a:xfrm>
+        </p:spPr>
+        <p:txBody>
+          <a:bodyPr/>
+          <a:lstStyle/>
+          <a:p>
+            <a:r>
+              <a:rPr lang="ru-RU" dirty="0"/>
+              <a:t>Спасибо за внимание!</a:t>
+            </a:r>
+          </a:p>
+        </p:txBody>
+      </p:sp>
+    </p:spTree>
+    <p:extLst>
+      <p:ext uri="{BB962C8B-B14F-4D97-AF65-F5344CB8AC3E}">
+        <p14:creationId xmlns:p14="http://schemas.microsoft.com/office/powerpoint/2010/main" val="4179106292"/>
       </p:ext>
     </p:extLst>
   </p:cSld>
